--- a/figures.pptx
+++ b/figures.pptx
@@ -3459,8 +3459,8 @@
         </p:nvGrpSpPr>
         <p:grpSpPr>
           <a:xfrm>
-            <a:off x="7852711" y="2092522"/>
-            <a:ext cx="1410002" cy="1438595"/>
+            <a:off x="3685774" y="374229"/>
+            <a:ext cx="1877858" cy="1057226"/>
             <a:chOff x="345497" y="1251366"/>
             <a:chExt cx="1410002" cy="1438595"/>
           </a:xfrm>
@@ -3473,8 +3473,8 @@
           </p:nvSpPr>
           <p:spPr>
             <a:xfrm>
-              <a:off x="429880" y="1662261"/>
-              <a:ext cx="1325619" cy="646331"/>
+              <a:off x="429880" y="1662260"/>
+              <a:ext cx="1325619" cy="502560"/>
             </a:xfrm>
             <a:prstGeom prst="rect">
               <a:avLst/>
@@ -3488,8 +3488,8 @@
             <a:lstStyle/>
             <a:p>
               <a:r>
-                <a:rPr lang="en-US" dirty="0" smtClean="0"/>
-                <a:t>Meta- Engine</a:t>
+                <a:rPr lang="en-US" dirty="0" err="1" smtClean="0"/>
+                <a:t>MetaEngine</a:t>
               </a:r>
               <a:endParaRPr lang="en-US" dirty="0"/>
             </a:p>
@@ -3639,16 +3639,106 @@
           </a:fontRef>
         </p:style>
       </p:cxnSp>
+      <p:grpSp>
+        <p:nvGrpSpPr>
+          <p:cNvPr id="27" name="Group 26"/>
+          <p:cNvGrpSpPr/>
+          <p:nvPr/>
+        </p:nvGrpSpPr>
+        <p:grpSpPr>
+          <a:xfrm>
+            <a:off x="4220317" y="3887721"/>
+            <a:ext cx="1979954" cy="714941"/>
+            <a:chOff x="345497" y="1251366"/>
+            <a:chExt cx="1410002" cy="1438595"/>
+          </a:xfrm>
+        </p:grpSpPr>
+        <p:sp>
+          <p:nvSpPr>
+            <p:cNvPr id="28" name="TextBox 27"/>
+            <p:cNvSpPr txBox="1"/>
+            <p:nvPr/>
+          </p:nvSpPr>
+          <p:spPr>
+            <a:xfrm>
+              <a:off x="466887" y="1662261"/>
+              <a:ext cx="1156559" cy="743165"/>
+            </a:xfrm>
+            <a:prstGeom prst="rect">
+              <a:avLst/>
+            </a:prstGeom>
+            <a:noFill/>
+          </p:spPr>
+          <p:txBody>
+            <a:bodyPr wrap="square" rtlCol="0">
+              <a:spAutoFit/>
+            </a:bodyPr>
+            <a:lstStyle/>
+            <a:p>
+              <a:pPr algn="ctr"/>
+              <a:r>
+                <a:rPr lang="en-US" dirty="0" smtClean="0"/>
+                <a:t>/rsrch1</a:t>
+              </a:r>
+              <a:endParaRPr lang="en-US" dirty="0"/>
+            </a:p>
+          </p:txBody>
+        </p:sp>
+        <p:sp>
+          <p:nvSpPr>
+            <p:cNvPr id="29" name="Rectangle 28"/>
+            <p:cNvSpPr/>
+            <p:nvPr/>
+          </p:nvSpPr>
+          <p:spPr>
+            <a:xfrm>
+              <a:off x="345497" y="1251366"/>
+              <a:ext cx="1410002" cy="1438595"/>
+            </a:xfrm>
+            <a:prstGeom prst="rect">
+              <a:avLst/>
+            </a:prstGeom>
+            <a:noFill/>
+            <a:ln>
+              <a:solidFill>
+                <a:schemeClr val="tx1"/>
+              </a:solidFill>
+            </a:ln>
+          </p:spPr>
+          <p:style>
+            <a:lnRef idx="1">
+              <a:schemeClr val="accent1"/>
+            </a:lnRef>
+            <a:fillRef idx="3">
+              <a:schemeClr val="accent1"/>
+            </a:fillRef>
+            <a:effectRef idx="2">
+              <a:schemeClr val="accent1"/>
+            </a:effectRef>
+            <a:fontRef idx="minor">
+              <a:schemeClr val="lt1"/>
+            </a:fontRef>
+          </p:style>
+          <p:txBody>
+            <a:bodyPr rtlCol="0" anchor="ctr"/>
+            <a:lstStyle/>
+            <a:p>
+              <a:pPr algn="ctr"/>
+              <a:endParaRPr lang="en-US"/>
+            </a:p>
+          </p:txBody>
+        </p:sp>
+      </p:grpSp>
       <p:cxnSp>
         <p:nvCxnSpPr>
-          <p:cNvPr id="26" name="Straight Arrow Connector 25"/>
+          <p:cNvPr id="30" name="Straight Arrow Connector 29"/>
           <p:cNvCxnSpPr/>
           <p:nvPr/>
         </p:nvCxnSpPr>
         <p:spPr>
-          <a:xfrm>
-            <a:off x="7099691" y="2872749"/>
-            <a:ext cx="681657" cy="0"/>
+          <a:xfrm flipH="1" flipV="1">
+            <a:off x="4407073" y="3518146"/>
+            <a:ext cx="195741" cy="369575"/>
           </a:xfrm>
           <a:prstGeom prst="straightConnector1">
             <a:avLst/>
@@ -3672,62 +3762,22 @@
           </a:fontRef>
         </p:style>
       </p:cxnSp>
-      <p:sp>
-        <p:nvSpPr>
-          <p:cNvPr id="39" name="Freeform 38"/>
-          <p:cNvSpPr/>
+      <p:cxnSp>
+        <p:nvCxnSpPr>
+          <p:cNvPr id="31" name="Straight Arrow Connector 30"/>
+          <p:cNvCxnSpPr/>
           <p:nvPr/>
-        </p:nvSpPr>
+        </p:nvCxnSpPr>
         <p:spPr>
-          <a:xfrm>
-            <a:off x="-507583" y="1707267"/>
-            <a:ext cx="8892890" cy="345527"/>
+          <a:xfrm flipV="1">
+            <a:off x="5630668" y="3485759"/>
+            <a:ext cx="188431" cy="401962"/>
           </a:xfrm>
-          <a:custGeom>
+          <a:prstGeom prst="straightConnector1">
             <a:avLst/>
-            <a:gdLst>
-              <a:gd name="connsiteX0" fmla="*/ 4099276 w 4099276"/>
-              <a:gd name="connsiteY0" fmla="*/ 999412 h 999412"/>
-              <a:gd name="connsiteX1" fmla="*/ 1792850 w 4099276"/>
-              <a:gd name="connsiteY1" fmla="*/ 186 h 999412"/>
-              <a:gd name="connsiteX2" fmla="*/ 0 w 4099276"/>
-              <a:gd name="connsiteY2" fmla="*/ 915365 h 999412"/>
-            </a:gdLst>
-            <a:ahLst/>
-            <a:cxnLst>
-              <a:cxn ang="0">
-                <a:pos x="connsiteX0" y="connsiteY0"/>
-              </a:cxn>
-              <a:cxn ang="0">
-                <a:pos x="connsiteX1" y="connsiteY1"/>
-              </a:cxn>
-              <a:cxn ang="0">
-                <a:pos x="connsiteX2" y="connsiteY2"/>
-              </a:cxn>
-            </a:cxnLst>
-            <a:rect l="l" t="t" r="r" b="b"/>
-            <a:pathLst>
-              <a:path w="4099276" h="999412">
-                <a:moveTo>
-                  <a:pt x="4099276" y="999412"/>
-                </a:moveTo>
-                <a:cubicBezTo>
-                  <a:pt x="3287669" y="506803"/>
-                  <a:pt x="2476063" y="14194"/>
-                  <a:pt x="1792850" y="186"/>
-                </a:cubicBezTo>
-                <a:cubicBezTo>
-                  <a:pt x="1109637" y="-13822"/>
-                  <a:pt x="297252" y="765948"/>
-                  <a:pt x="0" y="915365"/>
-                </a:cubicBezTo>
-              </a:path>
-            </a:pathLst>
-          </a:custGeom>
+          </a:prstGeom>
           <a:ln>
-            <a:prstDash val="lgDash"/>
-            <a:headEnd type="triangle"/>
-            <a:tailEnd type="triangle"/>
+            <a:tailEnd type="arrow"/>
           </a:ln>
         </p:spPr>
         <p:style>
@@ -3744,71 +3794,23 @@
             <a:schemeClr val="tx1"/>
           </a:fontRef>
         </p:style>
-        <p:txBody>
-          <a:bodyPr rtlCol="0" anchor="ctr"/>
-          <a:lstStyle/>
-          <a:p>
-            <a:pPr algn="ctr"/>
-            <a:endParaRPr lang="en-US" dirty="0" smtClean="0"/>
-          </a:p>
-        </p:txBody>
-      </p:sp>
-      <p:sp>
-        <p:nvSpPr>
-          <p:cNvPr id="40" name="Freeform 39"/>
-          <p:cNvSpPr/>
+      </p:cxnSp>
+      <p:cxnSp>
+        <p:nvCxnSpPr>
+          <p:cNvPr id="17" name="Straight Arrow Connector 16"/>
+          <p:cNvCxnSpPr/>
           <p:nvPr/>
-        </p:nvSpPr>
+        </p:nvCxnSpPr>
         <p:spPr>
-          <a:xfrm>
-            <a:off x="4285683" y="1707267"/>
-            <a:ext cx="4214674" cy="345527"/>
+          <a:xfrm flipV="1">
+            <a:off x="1895565" y="1431455"/>
+            <a:ext cx="1696128" cy="661068"/>
           </a:xfrm>
-          <a:custGeom>
+          <a:prstGeom prst="straightConnector1">
             <a:avLst/>
-            <a:gdLst>
-              <a:gd name="connsiteX0" fmla="*/ 4099276 w 4099276"/>
-              <a:gd name="connsiteY0" fmla="*/ 999412 h 999412"/>
-              <a:gd name="connsiteX1" fmla="*/ 1792850 w 4099276"/>
-              <a:gd name="connsiteY1" fmla="*/ 186 h 999412"/>
-              <a:gd name="connsiteX2" fmla="*/ 0 w 4099276"/>
-              <a:gd name="connsiteY2" fmla="*/ 915365 h 999412"/>
-            </a:gdLst>
-            <a:ahLst/>
-            <a:cxnLst>
-              <a:cxn ang="0">
-                <a:pos x="connsiteX0" y="connsiteY0"/>
-              </a:cxn>
-              <a:cxn ang="0">
-                <a:pos x="connsiteX1" y="connsiteY1"/>
-              </a:cxn>
-              <a:cxn ang="0">
-                <a:pos x="connsiteX2" y="connsiteY2"/>
-              </a:cxn>
-            </a:cxnLst>
-            <a:rect l="l" t="t" r="r" b="b"/>
-            <a:pathLst>
-              <a:path w="4099276" h="999412">
-                <a:moveTo>
-                  <a:pt x="4099276" y="999412"/>
-                </a:moveTo>
-                <a:cubicBezTo>
-                  <a:pt x="3287669" y="506803"/>
-                  <a:pt x="2476063" y="14194"/>
-                  <a:pt x="1792850" y="186"/>
-                </a:cubicBezTo>
-                <a:cubicBezTo>
-                  <a:pt x="1109637" y="-13822"/>
-                  <a:pt x="297252" y="765948"/>
-                  <a:pt x="0" y="915365"/>
-                </a:cubicBezTo>
-              </a:path>
-            </a:pathLst>
-          </a:custGeom>
+          </a:prstGeom>
           <a:ln>
-            <a:prstDash val="lgDash"/>
-            <a:headEnd type="triangle"/>
-            <a:tailEnd type="triangle"/>
+            <a:tailEnd type="arrow"/>
           </a:ln>
         </p:spPr>
         <p:style>
@@ -3825,15 +3827,73 @@
             <a:schemeClr val="tx1"/>
           </a:fontRef>
         </p:style>
-        <p:txBody>
-          <a:bodyPr rtlCol="0" anchor="ctr"/>
-          <a:lstStyle/>
-          <a:p>
-            <a:pPr algn="ctr"/>
-            <a:endParaRPr lang="en-US" dirty="0" smtClean="0"/>
-          </a:p>
-        </p:txBody>
-      </p:sp>
+      </p:cxnSp>
+      <p:cxnSp>
+        <p:nvCxnSpPr>
+          <p:cNvPr id="34" name="Straight Arrow Connector 33"/>
+          <p:cNvCxnSpPr/>
+          <p:nvPr/>
+        </p:nvCxnSpPr>
+        <p:spPr>
+          <a:xfrm flipV="1">
+            <a:off x="3893845" y="1431455"/>
+            <a:ext cx="496930" cy="595011"/>
+          </a:xfrm>
+          <a:prstGeom prst="straightConnector1">
+            <a:avLst/>
+          </a:prstGeom>
+          <a:ln>
+            <a:tailEnd type="arrow"/>
+          </a:ln>
+        </p:spPr>
+        <p:style>
+          <a:lnRef idx="2">
+            <a:schemeClr val="accent1"/>
+          </a:lnRef>
+          <a:fillRef idx="0">
+            <a:schemeClr val="accent1"/>
+          </a:fillRef>
+          <a:effectRef idx="1">
+            <a:schemeClr val="accent1"/>
+          </a:effectRef>
+          <a:fontRef idx="minor">
+            <a:schemeClr val="tx1"/>
+          </a:fontRef>
+        </p:style>
+      </p:cxnSp>
+      <p:cxnSp>
+        <p:nvCxnSpPr>
+          <p:cNvPr id="36" name="Straight Arrow Connector 35"/>
+          <p:cNvCxnSpPr/>
+          <p:nvPr/>
+        </p:nvCxnSpPr>
+        <p:spPr>
+          <a:xfrm flipH="1" flipV="1">
+            <a:off x="5378905" y="1497512"/>
+            <a:ext cx="635934" cy="528954"/>
+          </a:xfrm>
+          <a:prstGeom prst="straightConnector1">
+            <a:avLst/>
+          </a:prstGeom>
+          <a:ln>
+            <a:tailEnd type="arrow"/>
+          </a:ln>
+        </p:spPr>
+        <p:style>
+          <a:lnRef idx="2">
+            <a:schemeClr val="accent1"/>
+          </a:lnRef>
+          <a:fillRef idx="0">
+            <a:schemeClr val="accent1"/>
+          </a:fillRef>
+          <a:effectRef idx="1">
+            <a:schemeClr val="accent1"/>
+          </a:effectRef>
+          <a:fontRef idx="minor">
+            <a:schemeClr val="tx1"/>
+          </a:fontRef>
+        </p:style>
+      </p:cxnSp>
     </p:spTree>
     <p:extLst>
       <p:ext uri="{BB962C8B-B14F-4D97-AF65-F5344CB8AC3E}">
